--- a/presentation/185576_3_ADEFOKUN_LOCI_ A CHESS ENGINE FOR GENERATING GAME DATA.pptx
+++ b/presentation/185576_3_ADEFOKUN_LOCI_ A CHESS ENGINE FOR GENERATING GAME DATA.pptx
@@ -843,7 +843,7 @@
       </p:grpSpPr>
       <p:sp>
         <p:nvSpPr>
-          <p:cNvPr id="115" name="Google Shape;115;g5024845f03_1_87:notes"/>
+          <p:cNvPr id="115" name="Google Shape;115;g5024845f03_1_0:notes"/>
           <p:cNvSpPr/>
           <p:nvPr>
             <p:ph idx="2" type="sldImg"/>
@@ -878,7 +878,7 @@
       </p:sp>
       <p:sp>
         <p:nvSpPr>
-          <p:cNvPr id="116" name="Google Shape;116;g5024845f03_1_87:notes"/>
+          <p:cNvPr id="116" name="Google Shape;116;g5024845f03_1_0:notes"/>
           <p:cNvSpPr txBox="1"/>
           <p:nvPr>
             <p:ph idx="1" type="body"/>
@@ -942,7 +942,7 @@
       </p:grpSpPr>
       <p:sp>
         <p:nvSpPr>
-          <p:cNvPr id="121" name="Google Shape;121;g5024845f03_1_93:notes"/>
+          <p:cNvPr id="121" name="Google Shape;121;g5024845f03_1_5:notes"/>
           <p:cNvSpPr/>
           <p:nvPr>
             <p:ph idx="2" type="sldImg"/>
@@ -977,7 +977,7 @@
       </p:sp>
       <p:sp>
         <p:nvSpPr>
-          <p:cNvPr id="122" name="Google Shape;122;g5024845f03_1_93:notes"/>
+          <p:cNvPr id="122" name="Google Shape;122;g5024845f03_1_5:notes"/>
           <p:cNvSpPr txBox="1"/>
           <p:nvPr>
             <p:ph idx="1" type="body"/>
@@ -1041,7 +1041,7 @@
       </p:grpSpPr>
       <p:sp>
         <p:nvSpPr>
-          <p:cNvPr id="127" name="Google Shape;127;g5024845f03_1_0:notes"/>
+          <p:cNvPr id="127" name="Google Shape;127;g4cffeb5264_0_0:notes"/>
           <p:cNvSpPr/>
           <p:nvPr>
             <p:ph idx="2" type="sldImg"/>
@@ -1076,7 +1076,7 @@
       </p:sp>
       <p:sp>
         <p:nvSpPr>
-          <p:cNvPr id="128" name="Google Shape;128;g5024845f03_1_0:notes"/>
+          <p:cNvPr id="128" name="Google Shape;128;g4cffeb5264_0_0:notes"/>
           <p:cNvSpPr txBox="1"/>
           <p:nvPr>
             <p:ph idx="1" type="body"/>
@@ -1140,7 +1140,7 @@
       </p:grpSpPr>
       <p:sp>
         <p:nvSpPr>
-          <p:cNvPr id="133" name="Google Shape;133;g5024845f03_1_5:notes"/>
+          <p:cNvPr id="133" name="Google Shape;133;g4cffeb5264_0_7:notes"/>
           <p:cNvSpPr/>
           <p:nvPr>
             <p:ph idx="2" type="sldImg"/>
@@ -1175,7 +1175,7 @@
       </p:sp>
       <p:sp>
         <p:nvSpPr>
-          <p:cNvPr id="134" name="Google Shape;134;g5024845f03_1_5:notes"/>
+          <p:cNvPr id="134" name="Google Shape;134;g4cffeb5264_0_7:notes"/>
           <p:cNvSpPr txBox="1"/>
           <p:nvPr>
             <p:ph idx="1" type="body"/>
@@ -2229,7 +2229,7 @@
       </p:grpSpPr>
       <p:sp>
         <p:nvSpPr>
-          <p:cNvPr id="79" name="Google Shape;79;g5024845f03_0_33:notes"/>
+          <p:cNvPr id="79" name="Google Shape;79;g5024845f03_0_2:notes"/>
           <p:cNvSpPr/>
           <p:nvPr>
             <p:ph idx="2" type="sldImg"/>
@@ -2264,7 +2264,7 @@
       </p:sp>
       <p:sp>
         <p:nvSpPr>
-          <p:cNvPr id="80" name="Google Shape;80;g5024845f03_0_33:notes"/>
+          <p:cNvPr id="80" name="Google Shape;80;g5024845f03_0_2:notes"/>
           <p:cNvSpPr txBox="1"/>
           <p:nvPr>
             <p:ph idx="1" type="body"/>
@@ -2328,7 +2328,7 @@
       </p:grpSpPr>
       <p:sp>
         <p:nvSpPr>
-          <p:cNvPr id="85" name="Google Shape;85;g5024845f03_0_2:notes"/>
+          <p:cNvPr id="85" name="Google Shape;85;g5024845f03_1_67:notes"/>
           <p:cNvSpPr/>
           <p:nvPr>
             <p:ph idx="2" type="sldImg"/>
@@ -2363,7 +2363,7 @@
       </p:sp>
       <p:sp>
         <p:nvSpPr>
-          <p:cNvPr id="86" name="Google Shape;86;g5024845f03_0_2:notes"/>
+          <p:cNvPr id="86" name="Google Shape;86;g5024845f03_1_67:notes"/>
           <p:cNvSpPr txBox="1"/>
           <p:nvPr>
             <p:ph idx="1" type="body"/>
@@ -2427,7 +2427,7 @@
       </p:grpSpPr>
       <p:sp>
         <p:nvSpPr>
-          <p:cNvPr id="91" name="Google Shape;91;g5024845f03_0_38:notes"/>
+          <p:cNvPr id="91" name="Google Shape;91;g5024845f03_1_82:notes"/>
           <p:cNvSpPr/>
           <p:nvPr>
             <p:ph idx="2" type="sldImg"/>
@@ -2462,7 +2462,7 @@
       </p:sp>
       <p:sp>
         <p:nvSpPr>
-          <p:cNvPr id="92" name="Google Shape;92;g5024845f03_0_38:notes"/>
+          <p:cNvPr id="92" name="Google Shape;92;g5024845f03_1_82:notes"/>
           <p:cNvSpPr txBox="1"/>
           <p:nvPr>
             <p:ph idx="1" type="body"/>
@@ -2526,7 +2526,7 @@
       </p:grpSpPr>
       <p:sp>
         <p:nvSpPr>
-          <p:cNvPr id="97" name="Google Shape;97;g5024845f03_1_67:notes"/>
+          <p:cNvPr id="97" name="Google Shape;97;g5024845f03_1_87:notes"/>
           <p:cNvSpPr/>
           <p:nvPr>
             <p:ph idx="2" type="sldImg"/>
@@ -2561,7 +2561,7 @@
       </p:sp>
       <p:sp>
         <p:nvSpPr>
-          <p:cNvPr id="98" name="Google Shape;98;g5024845f03_1_67:notes"/>
+          <p:cNvPr id="98" name="Google Shape;98;g5024845f03_1_87:notes"/>
           <p:cNvSpPr txBox="1"/>
           <p:nvPr>
             <p:ph idx="1" type="body"/>
@@ -2625,7 +2625,7 @@
       </p:grpSpPr>
       <p:sp>
         <p:nvSpPr>
-          <p:cNvPr id="103" name="Google Shape;103;g5024845f03_1_82:notes"/>
+          <p:cNvPr id="103" name="Google Shape;103;g5024845f03_1_93:notes"/>
           <p:cNvSpPr/>
           <p:nvPr>
             <p:ph idx="2" type="sldImg"/>
@@ -2660,7 +2660,7 @@
       </p:sp>
       <p:sp>
         <p:nvSpPr>
-          <p:cNvPr id="104" name="Google Shape;104;g5024845f03_1_82:notes"/>
+          <p:cNvPr id="104" name="Google Shape;104;g5024845f03_1_93:notes"/>
           <p:cNvSpPr txBox="1"/>
           <p:nvPr>
             <p:ph idx="1" type="body"/>
@@ -8250,20 +8250,20 @@
           <p:cNvPr id="118" name="Google Shape;118;p22"/>
           <p:cNvSpPr txBox="1"/>
           <p:nvPr>
-            <p:ph type="title"/>
+            <p:ph idx="1" type="body"/>
           </p:nvPr>
         </p:nvSpPr>
         <p:spPr>
           <a:xfrm>
-            <a:off x="387900" y="458025"/>
-            <a:ext cx="8368200" cy="686100"/>
+            <a:off x="319500" y="4233725"/>
+            <a:ext cx="5998800" cy="598800"/>
           </a:xfrm>
           <a:prstGeom prst="rect">
             <a:avLst/>
           </a:prstGeom>
         </p:spPr>
         <p:txBody>
-          <a:bodyPr anchorCtr="0" anchor="b" bIns="91425" lIns="91425" spcFirstLastPara="1" rIns="91425" wrap="square" tIns="91425">
+          <a:bodyPr anchorCtr="0" anchor="ctr" bIns="91425" lIns="91425" spcFirstLastPara="1" rIns="91425" wrap="square" tIns="91425">
             <a:noAutofit/>
           </a:bodyPr>
           <a:lstStyle/>
@@ -8283,7 +8283,7 @@
                   <a:srgbClr val="000000"/>
                 </a:highlight>
               </a:rPr>
-              <a:t>Existing Systems</a:t>
+              <a:t>Use Case Diagram</a:t>
             </a:r>
             <a:endParaRPr>
               <a:highlight>
@@ -8293,88 +8293,34 @@
           </a:p>
         </p:txBody>
       </p:sp>
-      <p:sp>
-        <p:nvSpPr>
+      <p:pic>
+        <p:nvPicPr>
           <p:cNvPr id="119" name="Google Shape;119;p22"/>
-          <p:cNvSpPr txBox="1"/>
-          <p:nvPr>
-            <p:ph idx="1" type="body"/>
-          </p:nvPr>
-        </p:nvSpPr>
+          <p:cNvPicPr preferRelativeResize="0"/>
+          <p:nvPr/>
+        </p:nvPicPr>
+        <p:blipFill>
+          <a:blip r:embed="rId3">
+            <a:alphaModFix/>
+          </a:blip>
+          <a:stretch>
+            <a:fillRect/>
+          </a:stretch>
+        </p:blipFill>
         <p:spPr>
           <a:xfrm>
-            <a:off x="387900" y="1489824"/>
-            <a:ext cx="8368200" cy="3078900"/>
+            <a:off x="2050587" y="-3"/>
+            <a:ext cx="5042821" cy="5143503"/>
           </a:xfrm>
           <a:prstGeom prst="rect">
             <a:avLst/>
           </a:prstGeom>
+          <a:noFill/>
+          <a:ln>
+            <a:noFill/>
+          </a:ln>
         </p:spPr>
-        <p:txBody>
-          <a:bodyPr anchorCtr="0" anchor="t" bIns="91425" lIns="91425" spcFirstLastPara="1" rIns="91425" wrap="square" tIns="91425">
-            <a:noAutofit/>
-          </a:bodyPr>
-          <a:lstStyle/>
-          <a:p>
-            <a:pPr indent="457200" lvl="0" marL="0" rtl="0" algn="l">
-              <a:lnSpc>
-                <a:spcPct val="150000"/>
-              </a:lnSpc>
-              <a:spcBef>
-                <a:spcPts val="0"/>
-              </a:spcBef>
-              <a:spcAft>
-                <a:spcPts val="0"/>
-              </a:spcAft>
-              <a:buNone/>
-            </a:pPr>
-            <a:r>
-              <a:rPr lang="en" sz="2000">
-                <a:latin typeface="Lato"/>
-                <a:ea typeface="Lato"/>
-                <a:cs typeface="Lato"/>
-                <a:sym typeface="Lato"/>
-              </a:rPr>
-              <a:t>The existing systems, by which a developer of deep learning chess engines could collate data for the training of its neural network is largely a mammoth task of obtaining precomputed data of chess games from online repositories and normalizing or parsing such data into usable formats either by manual means or automated scripting or both.</a:t>
-            </a:r>
-            <a:endParaRPr sz="2000">
-              <a:latin typeface="Lato"/>
-              <a:ea typeface="Lato"/>
-              <a:cs typeface="Lato"/>
-              <a:sym typeface="Lato"/>
-            </a:endParaRPr>
-          </a:p>
-          <a:p>
-            <a:pPr indent="457200" lvl="0" marL="0" rtl="0" algn="l">
-              <a:lnSpc>
-                <a:spcPct val="150000"/>
-              </a:lnSpc>
-              <a:spcBef>
-                <a:spcPts val="0"/>
-              </a:spcBef>
-              <a:spcAft>
-                <a:spcPts val="0"/>
-              </a:spcAft>
-              <a:buNone/>
-            </a:pPr>
-            <a:r>
-              <a:rPr lang="en" sz="2000">
-                <a:latin typeface="Lato"/>
-                <a:ea typeface="Lato"/>
-                <a:cs typeface="Lato"/>
-                <a:sym typeface="Lato"/>
-              </a:rPr>
-              <a:t>Also, there are no systems of note, which permit evaluation function changes to the degree of studying effects of heuristics changes.</a:t>
-            </a:r>
-            <a:endParaRPr sz="2000">
-              <a:latin typeface="Lato"/>
-              <a:ea typeface="Lato"/>
-              <a:cs typeface="Lato"/>
-              <a:sym typeface="Lato"/>
-            </a:endParaRPr>
-          </a:p>
-        </p:txBody>
-      </p:sp>
+      </p:pic>
     </p:spTree>
   </p:cSld>
   <p:clrMapOvr>
@@ -8405,20 +8351,20 @@
           <p:cNvPr id="124" name="Google Shape;124;p23"/>
           <p:cNvSpPr txBox="1"/>
           <p:nvPr>
-            <p:ph type="title"/>
+            <p:ph idx="1" type="body"/>
           </p:nvPr>
         </p:nvSpPr>
         <p:spPr>
           <a:xfrm>
-            <a:off x="387900" y="458025"/>
-            <a:ext cx="8368200" cy="686100"/>
+            <a:off x="319500" y="4233725"/>
+            <a:ext cx="5998800" cy="598800"/>
           </a:xfrm>
           <a:prstGeom prst="rect">
             <a:avLst/>
           </a:prstGeom>
         </p:spPr>
         <p:txBody>
-          <a:bodyPr anchorCtr="0" anchor="b" bIns="91425" lIns="91425" spcFirstLastPara="1" rIns="91425" wrap="square" tIns="91425">
+          <a:bodyPr anchorCtr="0" anchor="ctr" bIns="91425" lIns="91425" spcFirstLastPara="1" rIns="91425" wrap="square" tIns="91425">
             <a:noAutofit/>
           </a:bodyPr>
           <a:lstStyle/>
@@ -8438,7 +8384,15 @@
                   <a:srgbClr val="000000"/>
                 </a:highlight>
               </a:rPr>
-              <a:t>Proposed System</a:t>
+              <a:t>Activity </a:t>
+            </a:r>
+            <a:r>
+              <a:rPr lang="en">
+                <a:highlight>
+                  <a:srgbClr val="000000"/>
+                </a:highlight>
+              </a:rPr>
+              <a:t>Diagram</a:t>
             </a:r>
             <a:endParaRPr>
               <a:highlight>
@@ -8448,88 +8402,34 @@
           </a:p>
         </p:txBody>
       </p:sp>
-      <p:sp>
-        <p:nvSpPr>
+      <p:pic>
+        <p:nvPicPr>
           <p:cNvPr id="125" name="Google Shape;125;p23"/>
-          <p:cNvSpPr txBox="1"/>
-          <p:nvPr>
-            <p:ph idx="1" type="body"/>
-          </p:nvPr>
-        </p:nvSpPr>
+          <p:cNvPicPr preferRelativeResize="0"/>
+          <p:nvPr/>
+        </p:nvPicPr>
+        <p:blipFill>
+          <a:blip r:embed="rId3">
+            <a:alphaModFix/>
+          </a:blip>
+          <a:stretch>
+            <a:fillRect/>
+          </a:stretch>
+        </p:blipFill>
         <p:spPr>
           <a:xfrm>
-            <a:off x="387900" y="1489824"/>
-            <a:ext cx="8368200" cy="3078900"/>
+            <a:off x="3108553" y="0"/>
+            <a:ext cx="2926897" cy="5143505"/>
           </a:xfrm>
           <a:prstGeom prst="rect">
             <a:avLst/>
           </a:prstGeom>
+          <a:noFill/>
+          <a:ln>
+            <a:noFill/>
+          </a:ln>
         </p:spPr>
-        <p:txBody>
-          <a:bodyPr anchorCtr="0" anchor="t" bIns="91425" lIns="91425" spcFirstLastPara="1" rIns="91425" wrap="square" tIns="91425">
-            <a:noAutofit/>
-          </a:bodyPr>
-          <a:lstStyle/>
-          <a:p>
-            <a:pPr indent="457200" lvl="0" marL="0" rtl="0" algn="l">
-              <a:lnSpc>
-                <a:spcPct val="150000"/>
-              </a:lnSpc>
-              <a:spcBef>
-                <a:spcPts val="0"/>
-              </a:spcBef>
-              <a:spcAft>
-                <a:spcPts val="0"/>
-              </a:spcAft>
-              <a:buNone/>
-            </a:pPr>
-            <a:r>
-              <a:rPr lang="en" sz="1900">
-                <a:latin typeface="Lato"/>
-                <a:ea typeface="Lato"/>
-                <a:cs typeface="Lato"/>
-                <a:sym typeface="Lato"/>
-              </a:rPr>
-              <a:t>The proposed system generates game data dynamically, as games played in-the-moment by two distinct “artificial intelligences” and stored as portable game notation (PGN).</a:t>
-            </a:r>
-            <a:endParaRPr sz="1900">
-              <a:latin typeface="Lato"/>
-              <a:ea typeface="Lato"/>
-              <a:cs typeface="Lato"/>
-              <a:sym typeface="Lato"/>
-            </a:endParaRPr>
-          </a:p>
-          <a:p>
-            <a:pPr indent="457200" lvl="0" marL="0" rtl="0" algn="l">
-              <a:lnSpc>
-                <a:spcPct val="150000"/>
-              </a:lnSpc>
-              <a:spcBef>
-                <a:spcPts val="0"/>
-              </a:spcBef>
-              <a:spcAft>
-                <a:spcPts val="0"/>
-              </a:spcAft>
-              <a:buNone/>
-            </a:pPr>
-            <a:r>
-              <a:rPr lang="en" sz="1900">
-                <a:latin typeface="Lato"/>
-                <a:ea typeface="Lato"/>
-                <a:cs typeface="Lato"/>
-                <a:sym typeface="Lato"/>
-              </a:rPr>
-              <a:t>The system is designed to receive input from the user on the number of games to compute. It is also designed to receive configuration input specifying the value of individual game pieces. These configuration files prescribe the behavior of the artificial intelligences that will play against each other.</a:t>
-            </a:r>
-            <a:endParaRPr sz="1900">
-              <a:latin typeface="Lato"/>
-              <a:ea typeface="Lato"/>
-              <a:cs typeface="Lato"/>
-              <a:sym typeface="Lato"/>
-            </a:endParaRPr>
-          </a:p>
-        </p:txBody>
-      </p:sp>
+      </p:pic>
     </p:spTree>
   </p:cSld>
   <p:clrMapOvr>
@@ -8593,7 +8493,7 @@
                   <a:srgbClr val="000000"/>
                 </a:highlight>
               </a:rPr>
-              <a:t>Use Case Diagram</a:t>
+              <a:t>Context Diagram</a:t>
             </a:r>
             <a:endParaRPr>
               <a:highlight>
@@ -8619,8 +8519,8 @@
         </p:blipFill>
         <p:spPr>
           <a:xfrm>
-            <a:off x="2432006" y="1"/>
-            <a:ext cx="4279993" cy="5143503"/>
+            <a:off x="803000" y="130850"/>
+            <a:ext cx="7537997" cy="4881800"/>
           </a:xfrm>
           <a:prstGeom prst="rect">
             <a:avLst/>
@@ -8694,7 +8594,7 @@
                   <a:srgbClr val="000000"/>
                 </a:highlight>
               </a:rPr>
-              <a:t>Activity </a:t>
+              <a:t>Level 0 </a:t>
             </a:r>
             <a:r>
               <a:rPr lang="en">
@@ -8728,8 +8628,8 @@
         </p:blipFill>
         <p:spPr>
           <a:xfrm>
-            <a:off x="2887063" y="0"/>
-            <a:ext cx="3369876" cy="5143505"/>
+            <a:off x="1842156" y="0"/>
+            <a:ext cx="5459698" cy="5143496"/>
           </a:xfrm>
           <a:prstGeom prst="rect">
             <a:avLst/>
@@ -10150,7 +10050,7 @@
           </a:bodyPr>
           <a:lstStyle/>
           <a:p>
-            <a:pPr indent="457200" lvl="0" marL="0" rtl="0" algn="just">
+            <a:pPr indent="457200" lvl="0" marL="0" rtl="0" algn="l">
               <a:lnSpc>
                 <a:spcPct val="150000"/>
               </a:lnSpc>
@@ -10169,7 +10069,7 @@
                 <a:cs typeface="Lato"/>
                 <a:sym typeface="Lato"/>
               </a:rPr>
-              <a:t>Training data for deep learning chess engines is rare to come by. Some of these datasets are collated manually from tournaments played by humans and artificial intelligence (AI). These datasets are entered into online repositories for referencing. This project allows researchers to generate the data needed for the “training” of this new breed of “intelligent” game engines.</a:t>
+              <a:t>Training data for deep learning chess engines is rare to come by. Some of these datasets are collated manually from tournaments played by humans and artificial intelligence (AI). Also, ready tools for the comparison of different evaluation function metrics are not readily available.</a:t>
             </a:r>
             <a:endParaRPr sz="2000">
               <a:latin typeface="Lato"/>
@@ -10258,6 +10158,175 @@
           <p:cNvPr id="82" name="Google Shape;82;p16"/>
           <p:cNvSpPr txBox="1"/>
           <p:nvPr>
+            <p:ph idx="1" type="body"/>
+          </p:nvPr>
+        </p:nvSpPr>
+        <p:spPr>
+          <a:xfrm>
+            <a:off x="387900" y="1603100"/>
+            <a:ext cx="8368200" cy="3168600"/>
+          </a:xfrm>
+          <a:prstGeom prst="rect">
+            <a:avLst/>
+          </a:prstGeom>
+        </p:spPr>
+        <p:txBody>
+          <a:bodyPr anchorCtr="0" anchor="t" bIns="91425" lIns="91425" spcFirstLastPara="1" rIns="91425" wrap="square" tIns="91425">
+            <a:noAutofit/>
+          </a:bodyPr>
+          <a:lstStyle/>
+          <a:p>
+            <a:pPr indent="457200" lvl="0" marL="0" rtl="0" algn="just">
+              <a:lnSpc>
+                <a:spcPct val="150000"/>
+              </a:lnSpc>
+              <a:spcBef>
+                <a:spcPts val="0"/>
+              </a:spcBef>
+              <a:spcAft>
+                <a:spcPts val="0"/>
+              </a:spcAft>
+              <a:buNone/>
+            </a:pPr>
+            <a:r>
+              <a:rPr lang="en" sz="1900">
+                <a:latin typeface="Lato"/>
+                <a:ea typeface="Lato"/>
+                <a:cs typeface="Lato"/>
+                <a:sym typeface="Lato"/>
+              </a:rPr>
+              <a:t>The aim of this project is to build a chess engine (loci) for generating game data.</a:t>
+            </a:r>
+            <a:endParaRPr sz="1900">
+              <a:latin typeface="Lato"/>
+              <a:ea typeface="Lato"/>
+              <a:cs typeface="Lato"/>
+              <a:sym typeface="Lato"/>
+            </a:endParaRPr>
+          </a:p>
+          <a:p>
+            <a:pPr indent="457200" lvl="0" marL="0" rtl="0" algn="l">
+              <a:lnSpc>
+                <a:spcPct val="150000"/>
+              </a:lnSpc>
+              <a:spcBef>
+                <a:spcPts val="0"/>
+              </a:spcBef>
+              <a:spcAft>
+                <a:spcPts val="0"/>
+              </a:spcAft>
+              <a:buNone/>
+            </a:pPr>
+            <a:r>
+              <a:rPr lang="en" sz="1900">
+                <a:latin typeface="Lato"/>
+                <a:ea typeface="Lato"/>
+                <a:cs typeface="Lato"/>
+                <a:sym typeface="Lato"/>
+              </a:rPr>
+              <a:t>The proposed system has the following objectives:</a:t>
+            </a:r>
+            <a:endParaRPr sz="1900">
+              <a:latin typeface="Lato"/>
+              <a:ea typeface="Lato"/>
+              <a:cs typeface="Lato"/>
+              <a:sym typeface="Lato"/>
+            </a:endParaRPr>
+          </a:p>
+          <a:p>
+            <a:pPr indent="0" lvl="0" marL="0" rtl="0" algn="l">
+              <a:lnSpc>
+                <a:spcPct val="150000"/>
+              </a:lnSpc>
+              <a:spcBef>
+                <a:spcPts val="0"/>
+              </a:spcBef>
+              <a:spcAft>
+                <a:spcPts val="0"/>
+              </a:spcAft>
+              <a:buNone/>
+            </a:pPr>
+            <a:r>
+              <a:rPr lang="en" sz="1900">
+                <a:latin typeface="Lato"/>
+                <a:ea typeface="Lato"/>
+                <a:cs typeface="Lato"/>
+                <a:sym typeface="Lato"/>
+              </a:rPr>
+              <a:t>1.  	To design and model a chess engine that enables AI to AI gaming.</a:t>
+            </a:r>
+            <a:endParaRPr sz="1900">
+              <a:latin typeface="Lato"/>
+              <a:ea typeface="Lato"/>
+              <a:cs typeface="Lato"/>
+              <a:sym typeface="Lato"/>
+            </a:endParaRPr>
+          </a:p>
+          <a:p>
+            <a:pPr indent="0" lvl="0" marL="0" rtl="0" algn="l">
+              <a:lnSpc>
+                <a:spcPct val="150000"/>
+              </a:lnSpc>
+              <a:spcBef>
+                <a:spcPts val="0"/>
+              </a:spcBef>
+              <a:spcAft>
+                <a:spcPts val="0"/>
+              </a:spcAft>
+              <a:buNone/>
+            </a:pPr>
+            <a:r>
+              <a:rPr lang="en" sz="1900">
+                <a:latin typeface="Lato"/>
+                <a:ea typeface="Lato"/>
+                <a:cs typeface="Lato"/>
+                <a:sym typeface="Lato"/>
+              </a:rPr>
+              <a:t>2.  	To implement a chess engine model that provides large chess game data.</a:t>
+            </a:r>
+            <a:endParaRPr sz="1900">
+              <a:latin typeface="Lato"/>
+              <a:ea typeface="Lato"/>
+              <a:cs typeface="Lato"/>
+              <a:sym typeface="Lato"/>
+            </a:endParaRPr>
+          </a:p>
+          <a:p>
+            <a:pPr indent="0" lvl="0" marL="0" rtl="0" algn="l">
+              <a:lnSpc>
+                <a:spcPct val="150000"/>
+              </a:lnSpc>
+              <a:spcBef>
+                <a:spcPts val="0"/>
+              </a:spcBef>
+              <a:spcAft>
+                <a:spcPts val="0"/>
+              </a:spcAft>
+              <a:buNone/>
+            </a:pPr>
+            <a:r>
+              <a:rPr lang="en" sz="1900">
+                <a:latin typeface="Lato"/>
+                <a:ea typeface="Lato"/>
+                <a:cs typeface="Lato"/>
+                <a:sym typeface="Lato"/>
+              </a:rPr>
+              <a:t>3.  	To implement a chess engine model that allows for changes to engine evaluation functions.</a:t>
+            </a:r>
+            <a:endParaRPr sz="1900">
+              <a:latin typeface="Lato"/>
+              <a:ea typeface="Lato"/>
+              <a:cs typeface="Lato"/>
+              <a:sym typeface="Lato"/>
+            </a:endParaRPr>
+          </a:p>
+        </p:txBody>
+      </p:sp>
+      <p:sp>
+        <p:nvSpPr>
+          <p:cNvPr id="83" name="Google Shape;83;p16"/>
+          <p:cNvSpPr txBox="1"/>
+          <p:nvPr>
             <p:ph type="title"/>
           </p:nvPr>
         </p:nvSpPr>
@@ -10291,70 +10360,12 @@
                   <a:srgbClr val="000000"/>
                 </a:highlight>
               </a:rPr>
-              <a:t>Problem Statement</a:t>
+              <a:t>Aim and Objectives</a:t>
             </a:r>
             <a:endParaRPr>
               <a:highlight>
                 <a:srgbClr val="000000"/>
               </a:highlight>
-            </a:endParaRPr>
-          </a:p>
-        </p:txBody>
-      </p:sp>
-      <p:sp>
-        <p:nvSpPr>
-          <p:cNvPr id="83" name="Google Shape;83;p16"/>
-          <p:cNvSpPr txBox="1"/>
-          <p:nvPr>
-            <p:ph idx="1" type="body"/>
-          </p:nvPr>
-        </p:nvSpPr>
-        <p:spPr>
-          <a:xfrm>
-            <a:off x="387900" y="1614925"/>
-            <a:ext cx="8368200" cy="2953800"/>
-          </a:xfrm>
-          <a:prstGeom prst="rect">
-            <a:avLst/>
-          </a:prstGeom>
-        </p:spPr>
-        <p:txBody>
-          <a:bodyPr anchorCtr="0" anchor="t" bIns="91425" lIns="91425" spcFirstLastPara="1" rIns="91425" wrap="square" tIns="91425">
-            <a:noAutofit/>
-          </a:bodyPr>
-          <a:lstStyle/>
-          <a:p>
-            <a:pPr indent="457200" lvl="0" marL="0" rtl="0" algn="just">
-              <a:lnSpc>
-                <a:spcPct val="150000"/>
-              </a:lnSpc>
-              <a:spcBef>
-                <a:spcPts val="0"/>
-              </a:spcBef>
-              <a:spcAft>
-                <a:spcPts val="0"/>
-              </a:spcAft>
-              <a:buClr>
-                <a:srgbClr val="000000"/>
-              </a:buClr>
-              <a:buSzPts val="1100"/>
-              <a:buFont typeface="Arial"/>
-              <a:buNone/>
-            </a:pPr>
-            <a:r>
-              <a:rPr lang="en" sz="2000">
-                <a:latin typeface="Lato"/>
-                <a:ea typeface="Lato"/>
-                <a:cs typeface="Lato"/>
-                <a:sym typeface="Lato"/>
-              </a:rPr>
-              <a:t>Also, ready tools for the comparison of different evaluation function metrics are not readily available. This project intends to address this problem by allowing researchers provide custom evaluation heuristics directly to the engine, and then observe how it performs.</a:t>
-            </a:r>
-            <a:endParaRPr sz="2000">
-              <a:latin typeface="Lato"/>
-              <a:ea typeface="Lato"/>
-              <a:cs typeface="Lato"/>
-              <a:sym typeface="Lato"/>
             </a:endParaRPr>
           </a:p>
         </p:txBody>
@@ -10389,59 +10400,6 @@
           <p:cNvPr id="88" name="Google Shape;88;p17"/>
           <p:cNvSpPr txBox="1"/>
           <p:nvPr>
-            <p:ph idx="1" type="body"/>
-          </p:nvPr>
-        </p:nvSpPr>
-        <p:spPr>
-          <a:xfrm>
-            <a:off x="387900" y="1603100"/>
-            <a:ext cx="8368200" cy="3168600"/>
-          </a:xfrm>
-          <a:prstGeom prst="rect">
-            <a:avLst/>
-          </a:prstGeom>
-        </p:spPr>
-        <p:txBody>
-          <a:bodyPr anchorCtr="0" anchor="t" bIns="91425" lIns="91425" spcFirstLastPara="1" rIns="91425" wrap="square" tIns="91425">
-            <a:noAutofit/>
-          </a:bodyPr>
-          <a:lstStyle/>
-          <a:p>
-            <a:pPr indent="457200" lvl="0" marL="0" rtl="0" algn="just">
-              <a:lnSpc>
-                <a:spcPct val="150000"/>
-              </a:lnSpc>
-              <a:spcBef>
-                <a:spcPts val="0"/>
-              </a:spcBef>
-              <a:spcAft>
-                <a:spcPts val="0"/>
-              </a:spcAft>
-              <a:buNone/>
-            </a:pPr>
-            <a:r>
-              <a:rPr lang="en" sz="2000">
-                <a:latin typeface="Lato"/>
-                <a:ea typeface="Lato"/>
-                <a:cs typeface="Lato"/>
-                <a:sym typeface="Lato"/>
-              </a:rPr>
-              <a:t>The aim of this project is to build a chess engine that produces data that can be used for the training of neural networks in deep learning chess engines, used in the analysis of chess engine strength, and be used to rapidly determine the effect of heuristic changes made to chess engine evaluation functions.</a:t>
-            </a:r>
-            <a:endParaRPr sz="2000">
-              <a:latin typeface="Lato"/>
-              <a:ea typeface="Lato"/>
-              <a:cs typeface="Lato"/>
-              <a:sym typeface="Lato"/>
-            </a:endParaRPr>
-          </a:p>
-        </p:txBody>
-      </p:sp>
-      <p:sp>
-        <p:nvSpPr>
-          <p:cNvPr id="89" name="Google Shape;89;p17"/>
-          <p:cNvSpPr txBox="1"/>
-          <p:nvPr>
             <p:ph type="title"/>
           </p:nvPr>
         </p:nvSpPr>
@@ -10475,312 +10433,6 @@
                   <a:srgbClr val="000000"/>
                 </a:highlight>
               </a:rPr>
-              <a:t>Aim</a:t>
-            </a:r>
-            <a:endParaRPr>
-              <a:highlight>
-                <a:srgbClr val="000000"/>
-              </a:highlight>
-            </a:endParaRPr>
-          </a:p>
-        </p:txBody>
-      </p:sp>
-    </p:spTree>
-  </p:cSld>
-  <p:clrMapOvr>
-    <a:masterClrMapping/>
-  </p:clrMapOvr>
-</p:sld>
-</file>
-
-<file path=ppt/slides/slide6.xml><?xml version="1.0" encoding="utf-8"?>
-<p:sld xmlns:a="http://schemas.openxmlformats.org/drawingml/2006/main" xmlns:r="http://schemas.openxmlformats.org/officeDocument/2006/relationships" xmlns:mc="http://schemas.openxmlformats.org/markup-compatibility/2006" xmlns:mv="urn:schemas-microsoft-com:mac:vml" xmlns:p="http://schemas.openxmlformats.org/presentationml/2006/main" xmlns:c="http://schemas.openxmlformats.org/drawingml/2006/chart" xmlns:dgm="http://schemas.openxmlformats.org/drawingml/2006/diagram" xmlns:o="urn:schemas-microsoft-com:office:office" xmlns:v="urn:schemas-microsoft-com:vml" xmlns:pvml="urn:schemas-microsoft-com:office:powerpoint" xmlns:com="http://schemas.openxmlformats.org/drawingml/2006/compatibility" xmlns:p14="http://schemas.microsoft.com/office/powerpoint/2010/main" xmlns:p15="http://schemas.microsoft.com/office/powerpoint/2012/main">
-  <p:cSld>
-    <p:spTree>
-      <p:nvGrpSpPr>
-        <p:cNvPr id="93" name="Shape 93"/>
-        <p:cNvGrpSpPr/>
-        <p:nvPr/>
-      </p:nvGrpSpPr>
-      <p:grpSpPr>
-        <a:xfrm>
-          <a:off x="0" y="0"/>
-          <a:ext cx="0" cy="0"/>
-          <a:chOff x="0" y="0"/>
-          <a:chExt cx="0" cy="0"/>
-        </a:xfrm>
-      </p:grpSpPr>
-      <p:sp>
-        <p:nvSpPr>
-          <p:cNvPr id="94" name="Google Shape;94;p18"/>
-          <p:cNvSpPr txBox="1"/>
-          <p:nvPr>
-            <p:ph type="title"/>
-          </p:nvPr>
-        </p:nvSpPr>
-        <p:spPr>
-          <a:xfrm>
-            <a:off x="387900" y="458025"/>
-            <a:ext cx="8368200" cy="686100"/>
-          </a:xfrm>
-          <a:prstGeom prst="rect">
-            <a:avLst/>
-          </a:prstGeom>
-        </p:spPr>
-        <p:txBody>
-          <a:bodyPr anchorCtr="0" anchor="b" bIns="91425" lIns="91425" spcFirstLastPara="1" rIns="91425" wrap="square" tIns="91425">
-            <a:noAutofit/>
-          </a:bodyPr>
-          <a:lstStyle/>
-          <a:p>
-            <a:pPr indent="0" lvl="0" marL="0" rtl="0" algn="l">
-              <a:spcBef>
-                <a:spcPts val="0"/>
-              </a:spcBef>
-              <a:spcAft>
-                <a:spcPts val="0"/>
-              </a:spcAft>
-              <a:buNone/>
-            </a:pPr>
-            <a:r>
-              <a:rPr lang="en">
-                <a:highlight>
-                  <a:srgbClr val="000000"/>
-                </a:highlight>
-              </a:rPr>
-              <a:t>Objectives</a:t>
-            </a:r>
-            <a:endParaRPr>
-              <a:highlight>
-                <a:srgbClr val="000000"/>
-              </a:highlight>
-            </a:endParaRPr>
-          </a:p>
-        </p:txBody>
-      </p:sp>
-      <p:sp>
-        <p:nvSpPr>
-          <p:cNvPr id="95" name="Google Shape;95;p18"/>
-          <p:cNvSpPr txBox="1"/>
-          <p:nvPr>
-            <p:ph idx="1" type="body"/>
-          </p:nvPr>
-        </p:nvSpPr>
-        <p:spPr>
-          <a:xfrm>
-            <a:off x="387900" y="1555800"/>
-            <a:ext cx="8368200" cy="3012900"/>
-          </a:xfrm>
-          <a:prstGeom prst="rect">
-            <a:avLst/>
-          </a:prstGeom>
-        </p:spPr>
-        <p:txBody>
-          <a:bodyPr anchorCtr="0" anchor="t" bIns="91425" lIns="91425" spcFirstLastPara="1" rIns="91425" wrap="square" tIns="91425">
-            <a:noAutofit/>
-          </a:bodyPr>
-          <a:lstStyle/>
-          <a:p>
-            <a:pPr indent="457200" lvl="0" marL="0" rtl="0" algn="l">
-              <a:lnSpc>
-                <a:spcPct val="150000"/>
-              </a:lnSpc>
-              <a:spcBef>
-                <a:spcPts val="0"/>
-              </a:spcBef>
-              <a:spcAft>
-                <a:spcPts val="0"/>
-              </a:spcAft>
-              <a:buClr>
-                <a:srgbClr val="000000"/>
-              </a:buClr>
-              <a:buSzPts val="1100"/>
-              <a:buFont typeface="Arial"/>
-              <a:buNone/>
-            </a:pPr>
-            <a:r>
-              <a:rPr lang="en" sz="2000">
-                <a:latin typeface="Lato"/>
-                <a:ea typeface="Lato"/>
-                <a:cs typeface="Lato"/>
-                <a:sym typeface="Lato"/>
-              </a:rPr>
-              <a:t>The proposed system has the following objectives:</a:t>
-            </a:r>
-            <a:endParaRPr sz="2000">
-              <a:latin typeface="Lato"/>
-              <a:ea typeface="Lato"/>
-              <a:cs typeface="Lato"/>
-              <a:sym typeface="Lato"/>
-            </a:endParaRPr>
-          </a:p>
-          <a:p>
-            <a:pPr indent="0" lvl="0" marL="0" rtl="0" algn="l">
-              <a:lnSpc>
-                <a:spcPct val="150000"/>
-              </a:lnSpc>
-              <a:spcBef>
-                <a:spcPts val="0"/>
-              </a:spcBef>
-              <a:spcAft>
-                <a:spcPts val="0"/>
-              </a:spcAft>
-              <a:buClr>
-                <a:srgbClr val="000000"/>
-              </a:buClr>
-              <a:buSzPts val="1100"/>
-              <a:buFont typeface="Arial"/>
-              <a:buNone/>
-            </a:pPr>
-            <a:r>
-              <a:rPr lang="en" sz="2000">
-                <a:latin typeface="Lato"/>
-                <a:ea typeface="Lato"/>
-                <a:cs typeface="Lato"/>
-                <a:sym typeface="Lato"/>
-              </a:rPr>
-              <a:t>1.      To design and model a chess engine that enables AI to AI gaming.</a:t>
-            </a:r>
-            <a:endParaRPr sz="2000">
-              <a:latin typeface="Lato"/>
-              <a:ea typeface="Lato"/>
-              <a:cs typeface="Lato"/>
-              <a:sym typeface="Lato"/>
-            </a:endParaRPr>
-          </a:p>
-          <a:p>
-            <a:pPr indent="0" lvl="0" marL="0" rtl="0" algn="l">
-              <a:lnSpc>
-                <a:spcPct val="150000"/>
-              </a:lnSpc>
-              <a:spcBef>
-                <a:spcPts val="0"/>
-              </a:spcBef>
-              <a:spcAft>
-                <a:spcPts val="0"/>
-              </a:spcAft>
-              <a:buClr>
-                <a:srgbClr val="000000"/>
-              </a:buClr>
-              <a:buSzPts val="1100"/>
-              <a:buFont typeface="Arial"/>
-              <a:buNone/>
-            </a:pPr>
-            <a:r>
-              <a:rPr lang="en" sz="2000">
-                <a:latin typeface="Lato"/>
-                <a:ea typeface="Lato"/>
-                <a:cs typeface="Lato"/>
-                <a:sym typeface="Lato"/>
-              </a:rPr>
-              <a:t>2.      To implement a chess engine model that provides large chess game data.</a:t>
-            </a:r>
-            <a:endParaRPr sz="2000">
-              <a:latin typeface="Lato"/>
-              <a:ea typeface="Lato"/>
-              <a:cs typeface="Lato"/>
-              <a:sym typeface="Lato"/>
-            </a:endParaRPr>
-          </a:p>
-          <a:p>
-            <a:pPr indent="0" lvl="0" marL="0" rtl="0" algn="l">
-              <a:lnSpc>
-                <a:spcPct val="150000"/>
-              </a:lnSpc>
-              <a:spcBef>
-                <a:spcPts val="0"/>
-              </a:spcBef>
-              <a:spcAft>
-                <a:spcPts val="0"/>
-              </a:spcAft>
-              <a:buClr>
-                <a:srgbClr val="000000"/>
-              </a:buClr>
-              <a:buSzPts val="1100"/>
-              <a:buFont typeface="Arial"/>
-              <a:buNone/>
-            </a:pPr>
-            <a:r>
-              <a:rPr lang="en" sz="2000">
-                <a:latin typeface="Lato"/>
-                <a:ea typeface="Lato"/>
-                <a:cs typeface="Lato"/>
-                <a:sym typeface="Lato"/>
-              </a:rPr>
-              <a:t>3.      To implement a chess engine model that allows for changes to engine evaluation functions.</a:t>
-            </a:r>
-            <a:endParaRPr sz="2200">
-              <a:latin typeface="Lato"/>
-              <a:ea typeface="Lato"/>
-              <a:cs typeface="Lato"/>
-              <a:sym typeface="Lato"/>
-            </a:endParaRPr>
-          </a:p>
-        </p:txBody>
-      </p:sp>
-    </p:spTree>
-  </p:cSld>
-  <p:clrMapOvr>
-    <a:masterClrMapping/>
-  </p:clrMapOvr>
-</p:sld>
-</file>
-
-<file path=ppt/slides/slide7.xml><?xml version="1.0" encoding="utf-8"?>
-<p:sld xmlns:a="http://schemas.openxmlformats.org/drawingml/2006/main" xmlns:r="http://schemas.openxmlformats.org/officeDocument/2006/relationships" xmlns:mc="http://schemas.openxmlformats.org/markup-compatibility/2006" xmlns:mv="urn:schemas-microsoft-com:mac:vml" xmlns:p="http://schemas.openxmlformats.org/presentationml/2006/main" xmlns:c="http://schemas.openxmlformats.org/drawingml/2006/chart" xmlns:dgm="http://schemas.openxmlformats.org/drawingml/2006/diagram" xmlns:o="urn:schemas-microsoft-com:office:office" xmlns:v="urn:schemas-microsoft-com:vml" xmlns:pvml="urn:schemas-microsoft-com:office:powerpoint" xmlns:com="http://schemas.openxmlformats.org/drawingml/2006/compatibility" xmlns:p14="http://schemas.microsoft.com/office/powerpoint/2010/main" xmlns:p15="http://schemas.microsoft.com/office/powerpoint/2012/main">
-  <p:cSld>
-    <p:spTree>
-      <p:nvGrpSpPr>
-        <p:cNvPr id="99" name="Shape 99"/>
-        <p:cNvGrpSpPr/>
-        <p:nvPr/>
-      </p:nvGrpSpPr>
-      <p:grpSpPr>
-        <a:xfrm>
-          <a:off x="0" y="0"/>
-          <a:ext cx="0" cy="0"/>
-          <a:chOff x="0" y="0"/>
-          <a:chExt cx="0" cy="0"/>
-        </a:xfrm>
-      </p:grpSpPr>
-      <p:sp>
-        <p:nvSpPr>
-          <p:cNvPr id="100" name="Google Shape;100;p19"/>
-          <p:cNvSpPr txBox="1"/>
-          <p:nvPr>
-            <p:ph type="title"/>
-          </p:nvPr>
-        </p:nvSpPr>
-        <p:spPr>
-          <a:xfrm>
-            <a:off x="387900" y="458025"/>
-            <a:ext cx="8368200" cy="686100"/>
-          </a:xfrm>
-          <a:prstGeom prst="rect">
-            <a:avLst/>
-          </a:prstGeom>
-        </p:spPr>
-        <p:txBody>
-          <a:bodyPr anchorCtr="0" anchor="b" bIns="91425" lIns="91425" spcFirstLastPara="1" rIns="91425" wrap="square" tIns="91425">
-            <a:noAutofit/>
-          </a:bodyPr>
-          <a:lstStyle/>
-          <a:p>
-            <a:pPr indent="0" lvl="0" marL="0" rtl="0" algn="l">
-              <a:spcBef>
-                <a:spcPts val="0"/>
-              </a:spcBef>
-              <a:spcAft>
-                <a:spcPts val="0"/>
-              </a:spcAft>
-              <a:buNone/>
-            </a:pPr>
-            <a:r>
-              <a:rPr lang="en">
-                <a:highlight>
-                  <a:srgbClr val="000000"/>
-                </a:highlight>
-              </a:rPr>
               <a:t>Literature Review</a:t>
             </a:r>
             <a:endParaRPr>
@@ -10793,7 +10445,7 @@
       </p:sp>
       <p:graphicFrame>
         <p:nvGraphicFramePr>
-          <p:cNvPr id="101" name="Google Shape;101;p19"/>
+          <p:cNvPr id="89" name="Google Shape;89;p17"/>
           <p:cNvGraphicFramePr/>
           <p:nvPr/>
         </p:nvGraphicFramePr>
@@ -10806,7 +10458,7 @@
             <a:tbl>
               <a:tblPr>
                 <a:noFill/>
-                <a:tableStyleId>{28CFA3DF-8152-496C-A872-BAE06590A5AF}</a:tableStyleId>
+                <a:tableStyleId>{16590CCB-45EC-4FB7-8A31-71C1EE035CC4}</a:tableStyleId>
               </a:tblPr>
               <a:tblGrid>
                 <a:gridCol w="1004225"/>
@@ -11927,12 +11579,12 @@
 </p:sld>
 </file>
 
-<file path=ppt/slides/slide8.xml><?xml version="1.0" encoding="utf-8"?>
+<file path=ppt/slides/slide6.xml><?xml version="1.0" encoding="utf-8"?>
 <p:sld xmlns:a="http://schemas.openxmlformats.org/drawingml/2006/main" xmlns:r="http://schemas.openxmlformats.org/officeDocument/2006/relationships" xmlns:mc="http://schemas.openxmlformats.org/markup-compatibility/2006" xmlns:mv="urn:schemas-microsoft-com:mac:vml" xmlns:p="http://schemas.openxmlformats.org/presentationml/2006/main" xmlns:c="http://schemas.openxmlformats.org/drawingml/2006/chart" xmlns:dgm="http://schemas.openxmlformats.org/drawingml/2006/diagram" xmlns:o="urn:schemas-microsoft-com:office:office" xmlns:v="urn:schemas-microsoft-com:vml" xmlns:pvml="urn:schemas-microsoft-com:office:powerpoint" xmlns:com="http://schemas.openxmlformats.org/drawingml/2006/compatibility" xmlns:p14="http://schemas.microsoft.com/office/powerpoint/2010/main" xmlns:p15="http://schemas.microsoft.com/office/powerpoint/2012/main">
   <p:cSld>
     <p:spTree>
       <p:nvGrpSpPr>
-        <p:cNvPr id="105" name="Shape 105"/>
+        <p:cNvPr id="93" name="Shape 93"/>
         <p:cNvGrpSpPr/>
         <p:nvPr/>
       </p:nvGrpSpPr>
@@ -11946,7 +11598,7 @@
       </p:grpSpPr>
       <p:sp>
         <p:nvSpPr>
-          <p:cNvPr id="106" name="Google Shape;106;p20"/>
+          <p:cNvPr id="94" name="Google Shape;94;p18"/>
           <p:cNvSpPr txBox="1"/>
           <p:nvPr>
             <p:ph type="title"/>
@@ -11994,7 +11646,7 @@
       </p:sp>
       <p:graphicFrame>
         <p:nvGraphicFramePr>
-          <p:cNvPr id="107" name="Google Shape;107;p20"/>
+          <p:cNvPr id="95" name="Google Shape;95;p18"/>
           <p:cNvGraphicFramePr/>
           <p:nvPr/>
         </p:nvGraphicFramePr>
@@ -12007,7 +11659,7 @@
             <a:tbl>
               <a:tblPr>
                 <a:noFill/>
-                <a:tableStyleId>{28CFA3DF-8152-496C-A872-BAE06590A5AF}</a:tableStyleId>
+                <a:tableStyleId>{16590CCB-45EC-4FB7-8A31-71C1EE035CC4}</a:tableStyleId>
               </a:tblPr>
               <a:tblGrid>
                 <a:gridCol w="1004225"/>
@@ -13149,6 +12801,316 @@
 </p:sld>
 </file>
 
+<file path=ppt/slides/slide7.xml><?xml version="1.0" encoding="utf-8"?>
+<p:sld xmlns:a="http://schemas.openxmlformats.org/drawingml/2006/main" xmlns:r="http://schemas.openxmlformats.org/officeDocument/2006/relationships" xmlns:mc="http://schemas.openxmlformats.org/markup-compatibility/2006" xmlns:mv="urn:schemas-microsoft-com:mac:vml" xmlns:p="http://schemas.openxmlformats.org/presentationml/2006/main" xmlns:c="http://schemas.openxmlformats.org/drawingml/2006/chart" xmlns:dgm="http://schemas.openxmlformats.org/drawingml/2006/diagram" xmlns:o="urn:schemas-microsoft-com:office:office" xmlns:v="urn:schemas-microsoft-com:vml" xmlns:pvml="urn:schemas-microsoft-com:office:powerpoint" xmlns:com="http://schemas.openxmlformats.org/drawingml/2006/compatibility" xmlns:p14="http://schemas.microsoft.com/office/powerpoint/2010/main" xmlns:p15="http://schemas.microsoft.com/office/powerpoint/2012/main">
+  <p:cSld>
+    <p:spTree>
+      <p:nvGrpSpPr>
+        <p:cNvPr id="99" name="Shape 99"/>
+        <p:cNvGrpSpPr/>
+        <p:nvPr/>
+      </p:nvGrpSpPr>
+      <p:grpSpPr>
+        <a:xfrm>
+          <a:off x="0" y="0"/>
+          <a:ext cx="0" cy="0"/>
+          <a:chOff x="0" y="0"/>
+          <a:chExt cx="0" cy="0"/>
+        </a:xfrm>
+      </p:grpSpPr>
+      <p:sp>
+        <p:nvSpPr>
+          <p:cNvPr id="100" name="Google Shape;100;p19"/>
+          <p:cNvSpPr txBox="1"/>
+          <p:nvPr>
+            <p:ph type="title"/>
+          </p:nvPr>
+        </p:nvSpPr>
+        <p:spPr>
+          <a:xfrm>
+            <a:off x="387900" y="458025"/>
+            <a:ext cx="8368200" cy="686100"/>
+          </a:xfrm>
+          <a:prstGeom prst="rect">
+            <a:avLst/>
+          </a:prstGeom>
+        </p:spPr>
+        <p:txBody>
+          <a:bodyPr anchorCtr="0" anchor="b" bIns="91425" lIns="91425" spcFirstLastPara="1" rIns="91425" wrap="square" tIns="91425">
+            <a:noAutofit/>
+          </a:bodyPr>
+          <a:lstStyle/>
+          <a:p>
+            <a:pPr indent="0" lvl="0" marL="0" rtl="0" algn="l">
+              <a:spcBef>
+                <a:spcPts val="0"/>
+              </a:spcBef>
+              <a:spcAft>
+                <a:spcPts val="0"/>
+              </a:spcAft>
+              <a:buNone/>
+            </a:pPr>
+            <a:r>
+              <a:rPr lang="en">
+                <a:highlight>
+                  <a:srgbClr val="000000"/>
+                </a:highlight>
+              </a:rPr>
+              <a:t>Existing Systems</a:t>
+            </a:r>
+            <a:endParaRPr>
+              <a:highlight>
+                <a:srgbClr val="000000"/>
+              </a:highlight>
+            </a:endParaRPr>
+          </a:p>
+        </p:txBody>
+      </p:sp>
+      <p:sp>
+        <p:nvSpPr>
+          <p:cNvPr id="101" name="Google Shape;101;p19"/>
+          <p:cNvSpPr txBox="1"/>
+          <p:nvPr>
+            <p:ph idx="1" type="body"/>
+          </p:nvPr>
+        </p:nvSpPr>
+        <p:spPr>
+          <a:xfrm>
+            <a:off x="387900" y="1489824"/>
+            <a:ext cx="8368200" cy="3078900"/>
+          </a:xfrm>
+          <a:prstGeom prst="rect">
+            <a:avLst/>
+          </a:prstGeom>
+        </p:spPr>
+        <p:txBody>
+          <a:bodyPr anchorCtr="0" anchor="t" bIns="91425" lIns="91425" spcFirstLastPara="1" rIns="91425" wrap="square" tIns="91425">
+            <a:noAutofit/>
+          </a:bodyPr>
+          <a:lstStyle/>
+          <a:p>
+            <a:pPr indent="457200" lvl="0" marL="0" rtl="0" algn="l">
+              <a:lnSpc>
+                <a:spcPct val="150000"/>
+              </a:lnSpc>
+              <a:spcBef>
+                <a:spcPts val="0"/>
+              </a:spcBef>
+              <a:spcAft>
+                <a:spcPts val="0"/>
+              </a:spcAft>
+              <a:buNone/>
+            </a:pPr>
+            <a:r>
+              <a:rPr lang="en" sz="2000">
+                <a:latin typeface="Lato"/>
+                <a:ea typeface="Lato"/>
+                <a:cs typeface="Lato"/>
+                <a:sym typeface="Lato"/>
+              </a:rPr>
+              <a:t>The existing systems, by which a developer of deep learning chess engines could collate data for the training of its neural network is largely a mammoth task of obtaining precomputed data of chess games from online repositories and normalizing or parsing such data into usable formats either by manual means or automated scripting or both.</a:t>
+            </a:r>
+            <a:endParaRPr sz="2000">
+              <a:latin typeface="Lato"/>
+              <a:ea typeface="Lato"/>
+              <a:cs typeface="Lato"/>
+              <a:sym typeface="Lato"/>
+            </a:endParaRPr>
+          </a:p>
+          <a:p>
+            <a:pPr indent="457200" lvl="0" marL="0" rtl="0" algn="l">
+              <a:lnSpc>
+                <a:spcPct val="150000"/>
+              </a:lnSpc>
+              <a:spcBef>
+                <a:spcPts val="0"/>
+              </a:spcBef>
+              <a:spcAft>
+                <a:spcPts val="0"/>
+              </a:spcAft>
+              <a:buNone/>
+            </a:pPr>
+            <a:r>
+              <a:rPr lang="en" sz="2000">
+                <a:latin typeface="Lato"/>
+                <a:ea typeface="Lato"/>
+                <a:cs typeface="Lato"/>
+                <a:sym typeface="Lato"/>
+              </a:rPr>
+              <a:t>Also, there are no systems of note, which permit evaluation function changes to the degree of studying effects of heuristics changes.</a:t>
+            </a:r>
+            <a:endParaRPr sz="2000">
+              <a:latin typeface="Lato"/>
+              <a:ea typeface="Lato"/>
+              <a:cs typeface="Lato"/>
+              <a:sym typeface="Lato"/>
+            </a:endParaRPr>
+          </a:p>
+        </p:txBody>
+      </p:sp>
+    </p:spTree>
+  </p:cSld>
+  <p:clrMapOvr>
+    <a:masterClrMapping/>
+  </p:clrMapOvr>
+</p:sld>
+</file>
+
+<file path=ppt/slides/slide8.xml><?xml version="1.0" encoding="utf-8"?>
+<p:sld xmlns:a="http://schemas.openxmlformats.org/drawingml/2006/main" xmlns:r="http://schemas.openxmlformats.org/officeDocument/2006/relationships" xmlns:mc="http://schemas.openxmlformats.org/markup-compatibility/2006" xmlns:mv="urn:schemas-microsoft-com:mac:vml" xmlns:p="http://schemas.openxmlformats.org/presentationml/2006/main" xmlns:c="http://schemas.openxmlformats.org/drawingml/2006/chart" xmlns:dgm="http://schemas.openxmlformats.org/drawingml/2006/diagram" xmlns:o="urn:schemas-microsoft-com:office:office" xmlns:v="urn:schemas-microsoft-com:vml" xmlns:pvml="urn:schemas-microsoft-com:office:powerpoint" xmlns:com="http://schemas.openxmlformats.org/drawingml/2006/compatibility" xmlns:p14="http://schemas.microsoft.com/office/powerpoint/2010/main" xmlns:p15="http://schemas.microsoft.com/office/powerpoint/2012/main">
+  <p:cSld>
+    <p:spTree>
+      <p:nvGrpSpPr>
+        <p:cNvPr id="105" name="Shape 105"/>
+        <p:cNvGrpSpPr/>
+        <p:nvPr/>
+      </p:nvGrpSpPr>
+      <p:grpSpPr>
+        <a:xfrm>
+          <a:off x="0" y="0"/>
+          <a:ext cx="0" cy="0"/>
+          <a:chOff x="0" y="0"/>
+          <a:chExt cx="0" cy="0"/>
+        </a:xfrm>
+      </p:grpSpPr>
+      <p:sp>
+        <p:nvSpPr>
+          <p:cNvPr id="106" name="Google Shape;106;p20"/>
+          <p:cNvSpPr txBox="1"/>
+          <p:nvPr>
+            <p:ph type="title"/>
+          </p:nvPr>
+        </p:nvSpPr>
+        <p:spPr>
+          <a:xfrm>
+            <a:off x="387900" y="458025"/>
+            <a:ext cx="8368200" cy="686100"/>
+          </a:xfrm>
+          <a:prstGeom prst="rect">
+            <a:avLst/>
+          </a:prstGeom>
+        </p:spPr>
+        <p:txBody>
+          <a:bodyPr anchorCtr="0" anchor="b" bIns="91425" lIns="91425" spcFirstLastPara="1" rIns="91425" wrap="square" tIns="91425">
+            <a:noAutofit/>
+          </a:bodyPr>
+          <a:lstStyle/>
+          <a:p>
+            <a:pPr indent="0" lvl="0" marL="0" rtl="0" algn="l">
+              <a:spcBef>
+                <a:spcPts val="0"/>
+              </a:spcBef>
+              <a:spcAft>
+                <a:spcPts val="0"/>
+              </a:spcAft>
+              <a:buNone/>
+            </a:pPr>
+            <a:r>
+              <a:rPr lang="en">
+                <a:highlight>
+                  <a:srgbClr val="000000"/>
+                </a:highlight>
+              </a:rPr>
+              <a:t>Proposed System</a:t>
+            </a:r>
+            <a:endParaRPr>
+              <a:highlight>
+                <a:srgbClr val="000000"/>
+              </a:highlight>
+            </a:endParaRPr>
+          </a:p>
+        </p:txBody>
+      </p:sp>
+      <p:sp>
+        <p:nvSpPr>
+          <p:cNvPr id="107" name="Google Shape;107;p20"/>
+          <p:cNvSpPr txBox="1"/>
+          <p:nvPr>
+            <p:ph idx="1" type="body"/>
+          </p:nvPr>
+        </p:nvSpPr>
+        <p:spPr>
+          <a:xfrm>
+            <a:off x="387900" y="1489824"/>
+            <a:ext cx="8368200" cy="3078900"/>
+          </a:xfrm>
+          <a:prstGeom prst="rect">
+            <a:avLst/>
+          </a:prstGeom>
+        </p:spPr>
+        <p:txBody>
+          <a:bodyPr anchorCtr="0" anchor="t" bIns="91425" lIns="91425" spcFirstLastPara="1" rIns="91425" wrap="square" tIns="91425">
+            <a:noAutofit/>
+          </a:bodyPr>
+          <a:lstStyle/>
+          <a:p>
+            <a:pPr indent="457200" lvl="0" marL="0" rtl="0" algn="l">
+              <a:lnSpc>
+                <a:spcPct val="150000"/>
+              </a:lnSpc>
+              <a:spcBef>
+                <a:spcPts val="0"/>
+              </a:spcBef>
+              <a:spcAft>
+                <a:spcPts val="0"/>
+              </a:spcAft>
+              <a:buNone/>
+            </a:pPr>
+            <a:r>
+              <a:rPr lang="en" sz="1900">
+                <a:latin typeface="Lato"/>
+                <a:ea typeface="Lato"/>
+                <a:cs typeface="Lato"/>
+                <a:sym typeface="Lato"/>
+              </a:rPr>
+              <a:t>The proposed system generates game data dynamically, as games played in-the-moment by two distinct “artificial intelligences” and stored as portable game notation (PGN).</a:t>
+            </a:r>
+            <a:endParaRPr sz="1900">
+              <a:latin typeface="Lato"/>
+              <a:ea typeface="Lato"/>
+              <a:cs typeface="Lato"/>
+              <a:sym typeface="Lato"/>
+            </a:endParaRPr>
+          </a:p>
+          <a:p>
+            <a:pPr indent="457200" lvl="0" marL="0" rtl="0" algn="l">
+              <a:lnSpc>
+                <a:spcPct val="150000"/>
+              </a:lnSpc>
+              <a:spcBef>
+                <a:spcPts val="0"/>
+              </a:spcBef>
+              <a:spcAft>
+                <a:spcPts val="0"/>
+              </a:spcAft>
+              <a:buNone/>
+            </a:pPr>
+            <a:r>
+              <a:rPr lang="en" sz="1900">
+                <a:latin typeface="Lato"/>
+                <a:ea typeface="Lato"/>
+                <a:cs typeface="Lato"/>
+                <a:sym typeface="Lato"/>
+              </a:rPr>
+              <a:t>The system is designed to receive input from the user on the number of games to compute. It is also designed to receive configuration input specifying the value of individual game pieces. These configuration files prescribe the behavior of the artificial intelligences that will play against each other.</a:t>
+            </a:r>
+            <a:endParaRPr sz="1900">
+              <a:latin typeface="Lato"/>
+              <a:ea typeface="Lato"/>
+              <a:cs typeface="Lato"/>
+              <a:sym typeface="Lato"/>
+            </a:endParaRPr>
+          </a:p>
+        </p:txBody>
+      </p:sp>
+    </p:spTree>
+  </p:cSld>
+  <p:clrMapOvr>
+    <a:masterClrMapping/>
+  </p:clrMapOvr>
+</p:sld>
+</file>
+
 <file path=ppt/slides/slide9.xml><?xml version="1.0" encoding="utf-8"?>
 <p:sld xmlns:a="http://schemas.openxmlformats.org/drawingml/2006/main" xmlns:r="http://schemas.openxmlformats.org/officeDocument/2006/relationships" xmlns:mc="http://schemas.openxmlformats.org/markup-compatibility/2006" xmlns:mv="urn:schemas-microsoft-com:mac:vml" xmlns:p="http://schemas.openxmlformats.org/presentationml/2006/main" xmlns:c="http://schemas.openxmlformats.org/drawingml/2006/chart" xmlns:dgm="http://schemas.openxmlformats.org/drawingml/2006/diagram" xmlns:o="urn:schemas-microsoft-com:office:office" xmlns:v="urn:schemas-microsoft-com:vml" xmlns:pvml="urn:schemas-microsoft-com:office:powerpoint" xmlns:com="http://schemas.openxmlformats.org/drawingml/2006/compatibility" xmlns:p14="http://schemas.microsoft.com/office/powerpoint/2010/main" xmlns:p15="http://schemas.microsoft.com/office/powerpoint/2012/main">
   <p:cSld>
@@ -13283,7 +13245,7 @@
                 <a:cs typeface="Lato"/>
                 <a:sym typeface="Lato"/>
               </a:rPr>
-              <a:t>Design will be done using use case diagram, and activity diagram.</a:t>
+              <a:t>Design was done using use case diagram, activity diagram, and data flow diagram.</a:t>
             </a:r>
             <a:endParaRPr sz="2000">
               <a:latin typeface="Lato"/>
@@ -13311,7 +13273,7 @@
                 <a:cs typeface="Lato"/>
                 <a:sym typeface="Lato"/>
               </a:rPr>
-              <a:t>Implementation will be done with the python programming language with plain text data in portable game notation (PGN) as the data output format.</a:t>
+              <a:t>Implementation was done with Python, a programming language, and with plain text data in portable game notation (PGN) as the data output format.</a:t>
             </a:r>
             <a:endParaRPr sz="2000">
               <a:latin typeface="Lato"/>
@@ -13339,7 +13301,7 @@
                 <a:cs typeface="Lato"/>
                 <a:sym typeface="Lato"/>
               </a:rPr>
-              <a:t>Deployment and Testing would be done on a desktop computer with the command line as its interface.</a:t>
+              <a:t>Deployment and Testing was done on a desktop computer with the command line as its interface.</a:t>
             </a:r>
             <a:endParaRPr sz="2000">
               <a:latin typeface="Lato"/>
@@ -13359,6 +13321,285 @@
 </file>
 
 <file path=ppt/theme/theme1.xml><?xml version="1.0" encoding="utf-8"?>
+<a:theme xmlns:a="http://schemas.openxmlformats.org/drawingml/2006/main" xmlns:r="http://schemas.openxmlformats.org/officeDocument/2006/relationships">
+  <a:themeElements>
+    <a:clrScheme name="Default">
+      <a:dk1>
+        <a:srgbClr val="000000"/>
+      </a:dk1>
+      <a:lt1>
+        <a:srgbClr val="FFFFFF"/>
+      </a:lt1>
+      <a:dk2>
+        <a:srgbClr val="158158"/>
+      </a:dk2>
+      <a:lt2>
+        <a:srgbClr val="F3F3F3"/>
+      </a:lt2>
+      <a:accent1>
+        <a:srgbClr val="058DC7"/>
+      </a:accent1>
+      <a:accent2>
+        <a:srgbClr val="50B432"/>
+      </a:accent2>
+      <a:accent3>
+        <a:srgbClr val="ED561B"/>
+      </a:accent3>
+      <a:accent4>
+        <a:srgbClr val="EDEF00"/>
+      </a:accent4>
+      <a:accent5>
+        <a:srgbClr val="24CBE5"/>
+      </a:accent5>
+      <a:accent6>
+        <a:srgbClr val="64E572"/>
+      </a:accent6>
+      <a:hlink>
+        <a:srgbClr val="2200CC"/>
+      </a:hlink>
+      <a:folHlink>
+        <a:srgbClr val="551A8B"/>
+      </a:folHlink>
+    </a:clrScheme>
+    <a:fontScheme name="Office">
+      <a:majorFont>
+        <a:latin typeface="Arial"/>
+        <a:ea typeface=""/>
+        <a:cs typeface=""/>
+        <a:font script="Jpan" typeface="ＭＳ Ｐゴシック"/>
+        <a:font script="Hang" typeface="맑은 고딕"/>
+        <a:font script="Hans" typeface="宋体"/>
+        <a:font script="Hant" typeface="新細明體"/>
+        <a:font script="Arab" typeface="Times New Roman"/>
+        <a:font script="Hebr" typeface="Times New Roman"/>
+        <a:font script="Thai" typeface="Angsana New"/>
+        <a:font script="Ethi" typeface="Nyala"/>
+        <a:font script="Beng" typeface="Vrinda"/>
+        <a:font script="Gujr" typeface="Shruti"/>
+        <a:font script="Khmr" typeface="MoolBoran"/>
+        <a:font script="Knda" typeface="Tunga"/>
+        <a:font script="Guru" typeface="Raavi"/>
+        <a:font script="Cans" typeface="Euphemia"/>
+        <a:font script="Cher" typeface="Plantagenet Cherokee"/>
+        <a:font script="Yiii" typeface="Microsoft Yi Baiti"/>
+        <a:font script="Tibt" typeface="Microsoft Himalaya"/>
+        <a:font script="Thaa" typeface="MV Boli"/>
+        <a:font script="Deva" typeface="Mangal"/>
+        <a:font script="Telu" typeface="Gautami"/>
+        <a:font script="Taml" typeface="Latha"/>
+        <a:font script="Syrc" typeface="Estrangelo Edessa"/>
+        <a:font script="Orya" typeface="Kalinga"/>
+        <a:font script="Mlym" typeface="Kartika"/>
+        <a:font script="Laoo" typeface="DokChampa"/>
+        <a:font script="Sinh" typeface="Iskoola Pota"/>
+        <a:font script="Mong" typeface="Mongolian Baiti"/>
+        <a:font script="Viet" typeface="Times New Roman"/>
+        <a:font script="Uigh" typeface="Microsoft Uighur"/>
+        <a:font script="Geor" typeface="Sylfaen"/>
+      </a:majorFont>
+      <a:minorFont>
+        <a:latin typeface="Arial"/>
+        <a:ea typeface=""/>
+        <a:cs typeface=""/>
+        <a:font script="Jpan" typeface="ＭＳ Ｐゴシック"/>
+        <a:font script="Hang" typeface="맑은 고딕"/>
+        <a:font script="Hans" typeface="宋体"/>
+        <a:font script="Hant" typeface="新細明體"/>
+        <a:font script="Arab" typeface="Arial"/>
+        <a:font script="Hebr" typeface="Arial"/>
+        <a:font script="Thai" typeface="Cordia New"/>
+        <a:font script="Ethi" typeface="Nyala"/>
+        <a:font script="Beng" typeface="Vrinda"/>
+        <a:font script="Gujr" typeface="Shruti"/>
+        <a:font script="Khmr" typeface="DaunPenh"/>
+        <a:font script="Knda" typeface="Tunga"/>
+        <a:font script="Guru" typeface="Raavi"/>
+        <a:font script="Cans" typeface="Euphemia"/>
+        <a:font script="Cher" typeface="Plantagenet Cherokee"/>
+        <a:font script="Yiii" typeface="Microsoft Yi Baiti"/>
+        <a:font script="Tibt" typeface="Microsoft Himalaya"/>
+        <a:font script="Thaa" typeface="MV Boli"/>
+        <a:font script="Deva" typeface="Mangal"/>
+        <a:font script="Telu" typeface="Gautami"/>
+        <a:font script="Taml" typeface="Latha"/>
+        <a:font script="Syrc" typeface="Estrangelo Edessa"/>
+        <a:font script="Orya" typeface="Kalinga"/>
+        <a:font script="Mlym" typeface="Kartika"/>
+        <a:font script="Laoo" typeface="DokChampa"/>
+        <a:font script="Sinh" typeface="Iskoola Pota"/>
+        <a:font script="Mong" typeface="Mongolian Baiti"/>
+        <a:font script="Viet" typeface="Arial"/>
+        <a:font script="Uigh" typeface="Microsoft Uighur"/>
+        <a:font script="Geor" typeface="Sylfaen"/>
+      </a:minorFont>
+    </a:fontScheme>
+    <a:fmtScheme name="Office">
+      <a:fillStyleLst>
+        <a:solidFill>
+          <a:schemeClr val="phClr"/>
+        </a:solidFill>
+        <a:gradFill rotWithShape="1">
+          <a:gsLst>
+            <a:gs pos="0">
+              <a:schemeClr val="phClr">
+                <a:tint val="50000"/>
+                <a:satMod val="300000"/>
+              </a:schemeClr>
+            </a:gs>
+            <a:gs pos="35000">
+              <a:schemeClr val="phClr">
+                <a:tint val="37000"/>
+                <a:satMod val="300000"/>
+              </a:schemeClr>
+            </a:gs>
+            <a:gs pos="100000">
+              <a:schemeClr val="phClr">
+                <a:tint val="15000"/>
+                <a:satMod val="350000"/>
+              </a:schemeClr>
+            </a:gs>
+          </a:gsLst>
+          <a:lin ang="16200000" scaled="1"/>
+        </a:gradFill>
+        <a:gradFill rotWithShape="1">
+          <a:gsLst>
+            <a:gs pos="0">
+              <a:schemeClr val="phClr">
+                <a:tint val="100000"/>
+                <a:shade val="100000"/>
+                <a:satMod val="130000"/>
+              </a:schemeClr>
+            </a:gs>
+            <a:gs pos="100000">
+              <a:schemeClr val="phClr">
+                <a:tint val="50000"/>
+                <a:shade val="100000"/>
+                <a:satMod val="350000"/>
+              </a:schemeClr>
+            </a:gs>
+          </a:gsLst>
+          <a:lin ang="16200000" scaled="0"/>
+        </a:gradFill>
+      </a:fillStyleLst>
+      <a:lnStyleLst>
+        <a:ln w="9525" cap="flat" cmpd="sng" algn="ctr">
+          <a:solidFill>
+            <a:schemeClr val="phClr">
+              <a:shade val="95000"/>
+              <a:satMod val="105000"/>
+            </a:schemeClr>
+          </a:solidFill>
+          <a:prstDash val="solid"/>
+        </a:ln>
+        <a:ln w="25400" cap="flat" cmpd="sng" algn="ctr">
+          <a:solidFill>
+            <a:schemeClr val="phClr"/>
+          </a:solidFill>
+          <a:prstDash val="solid"/>
+        </a:ln>
+        <a:ln w="38100" cap="flat" cmpd="sng" algn="ctr">
+          <a:solidFill>
+            <a:schemeClr val="phClr"/>
+          </a:solidFill>
+          <a:prstDash val="solid"/>
+        </a:ln>
+      </a:lnStyleLst>
+      <a:effectStyleLst>
+        <a:effectStyle>
+          <a:effectLst>
+            <a:outerShdw blurRad="40000" dist="20000" dir="5400000" rotWithShape="0">
+              <a:srgbClr val="000000">
+                <a:alpha val="38000"/>
+              </a:srgbClr>
+            </a:outerShdw>
+          </a:effectLst>
+        </a:effectStyle>
+        <a:effectStyle>
+          <a:effectLst>
+            <a:outerShdw blurRad="40000" dist="23000" dir="5400000" rotWithShape="0">
+              <a:srgbClr val="000000">
+                <a:alpha val="35000"/>
+              </a:srgbClr>
+            </a:outerShdw>
+          </a:effectLst>
+        </a:effectStyle>
+        <a:effectStyle>
+          <a:effectLst>
+            <a:outerShdw blurRad="40000" dist="23000" dir="5400000" rotWithShape="0">
+              <a:srgbClr val="000000">
+                <a:alpha val="35000"/>
+              </a:srgbClr>
+            </a:outerShdw>
+          </a:effectLst>
+          <a:scene3d>
+            <a:camera prst="orthographicFront">
+              <a:rot lat="0" lon="0" rev="0"/>
+            </a:camera>
+            <a:lightRig rig="threePt" dir="t">
+              <a:rot lat="0" lon="0" rev="1200000"/>
+            </a:lightRig>
+          </a:scene3d>
+          <a:sp3d>
+            <a:bevelT w="63500" h="25400"/>
+          </a:sp3d>
+        </a:effectStyle>
+      </a:effectStyleLst>
+      <a:bgFillStyleLst>
+        <a:solidFill>
+          <a:schemeClr val="phClr"/>
+        </a:solidFill>
+        <a:gradFill rotWithShape="1">
+          <a:gsLst>
+            <a:gs pos="0">
+              <a:schemeClr val="phClr">
+                <a:tint val="40000"/>
+                <a:satMod val="350000"/>
+              </a:schemeClr>
+            </a:gs>
+            <a:gs pos="40000">
+              <a:schemeClr val="phClr">
+                <a:tint val="45000"/>
+                <a:shade val="99000"/>
+                <a:satMod val="350000"/>
+              </a:schemeClr>
+            </a:gs>
+            <a:gs pos="100000">
+              <a:schemeClr val="phClr">
+                <a:shade val="20000"/>
+                <a:satMod val="255000"/>
+              </a:schemeClr>
+            </a:gs>
+          </a:gsLst>
+          <a:path path="circle">
+            <a:fillToRect l="50000" t="-80000" r="50000" b="180000"/>
+          </a:path>
+        </a:gradFill>
+        <a:gradFill rotWithShape="1">
+          <a:gsLst>
+            <a:gs pos="0">
+              <a:schemeClr val="phClr">
+                <a:tint val="80000"/>
+                <a:satMod val="300000"/>
+              </a:schemeClr>
+            </a:gs>
+            <a:gs pos="100000">
+              <a:schemeClr val="phClr">
+                <a:shade val="30000"/>
+                <a:satMod val="200000"/>
+              </a:schemeClr>
+            </a:gs>
+          </a:gsLst>
+          <a:path path="circle">
+            <a:fillToRect l="50000" t="50000" r="50000" b="50000"/>
+          </a:path>
+        </a:gradFill>
+      </a:bgFillStyleLst>
+    </a:fmtScheme>
+  </a:themeElements>
+</a:theme>
+</file>
+
+<file path=ppt/theme/theme2.xml><?xml version="1.0" encoding="utf-8"?>
 <a:theme xmlns:a="http://schemas.openxmlformats.org/drawingml/2006/main" xmlns:r="http://schemas.openxmlformats.org/officeDocument/2006/relationships" name="Marina">
   <a:themeElements>
     <a:clrScheme name="Marina">
@@ -13635,283 +13876,4 @@
     </a:fmtScheme>
   </a:themeElements>
 </a:theme>
-</file>
-
-<file path=ppt/theme/theme2.xml><?xml version="1.0" encoding="utf-8"?>
-<a:theme xmlns:a="http://schemas.openxmlformats.org/drawingml/2006/main" xmlns:r="http://schemas.openxmlformats.org/officeDocument/2006/relationships">
-  <a:themeElements>
-    <a:clrScheme name="Default">
-      <a:dk1>
-        <a:srgbClr val="000000"/>
-      </a:dk1>
-      <a:lt1>
-        <a:srgbClr val="FFFFFF"/>
-      </a:lt1>
-      <a:dk2>
-        <a:srgbClr val="158158"/>
-      </a:dk2>
-      <a:lt2>
-        <a:srgbClr val="F3F3F3"/>
-      </a:lt2>
-      <a:accent1>
-        <a:srgbClr val="058DC7"/>
-      </a:accent1>
-      <a:accent2>
-        <a:srgbClr val="50B432"/>
-      </a:accent2>
-      <a:accent3>
-        <a:srgbClr val="ED561B"/>
-      </a:accent3>
-      <a:accent4>
-        <a:srgbClr val="EDEF00"/>
-      </a:accent4>
-      <a:accent5>
-        <a:srgbClr val="24CBE5"/>
-      </a:accent5>
-      <a:accent6>
-        <a:srgbClr val="64E572"/>
-      </a:accent6>
-      <a:hlink>
-        <a:srgbClr val="2200CC"/>
-      </a:hlink>
-      <a:folHlink>
-        <a:srgbClr val="551A8B"/>
-      </a:folHlink>
-    </a:clrScheme>
-    <a:fontScheme name="Office">
-      <a:majorFont>
-        <a:latin typeface="Arial"/>
-        <a:ea typeface=""/>
-        <a:cs typeface=""/>
-        <a:font script="Jpan" typeface="ＭＳ Ｐゴシック"/>
-        <a:font script="Hang" typeface="맑은 고딕"/>
-        <a:font script="Hans" typeface="宋体"/>
-        <a:font script="Hant" typeface="新細明體"/>
-        <a:font script="Arab" typeface="Times New Roman"/>
-        <a:font script="Hebr" typeface="Times New Roman"/>
-        <a:font script="Thai" typeface="Angsana New"/>
-        <a:font script="Ethi" typeface="Nyala"/>
-        <a:font script="Beng" typeface="Vrinda"/>
-        <a:font script="Gujr" typeface="Shruti"/>
-        <a:font script="Khmr" typeface="MoolBoran"/>
-        <a:font script="Knda" typeface="Tunga"/>
-        <a:font script="Guru" typeface="Raavi"/>
-        <a:font script="Cans" typeface="Euphemia"/>
-        <a:font script="Cher" typeface="Plantagenet Cherokee"/>
-        <a:font script="Yiii" typeface="Microsoft Yi Baiti"/>
-        <a:font script="Tibt" typeface="Microsoft Himalaya"/>
-        <a:font script="Thaa" typeface="MV Boli"/>
-        <a:font script="Deva" typeface="Mangal"/>
-        <a:font script="Telu" typeface="Gautami"/>
-        <a:font script="Taml" typeface="Latha"/>
-        <a:font script="Syrc" typeface="Estrangelo Edessa"/>
-        <a:font script="Orya" typeface="Kalinga"/>
-        <a:font script="Mlym" typeface="Kartika"/>
-        <a:font script="Laoo" typeface="DokChampa"/>
-        <a:font script="Sinh" typeface="Iskoola Pota"/>
-        <a:font script="Mong" typeface="Mongolian Baiti"/>
-        <a:font script="Viet" typeface="Times New Roman"/>
-        <a:font script="Uigh" typeface="Microsoft Uighur"/>
-        <a:font script="Geor" typeface="Sylfaen"/>
-      </a:majorFont>
-      <a:minorFont>
-        <a:latin typeface="Arial"/>
-        <a:ea typeface=""/>
-        <a:cs typeface=""/>
-        <a:font script="Jpan" typeface="ＭＳ Ｐゴシック"/>
-        <a:font script="Hang" typeface="맑은 고딕"/>
-        <a:font script="Hans" typeface="宋体"/>
-        <a:font script="Hant" typeface="新細明體"/>
-        <a:font script="Arab" typeface="Arial"/>
-        <a:font script="Hebr" typeface="Arial"/>
-        <a:font script="Thai" typeface="Cordia New"/>
-        <a:font script="Ethi" typeface="Nyala"/>
-        <a:font script="Beng" typeface="Vrinda"/>
-        <a:font script="Gujr" typeface="Shruti"/>
-        <a:font script="Khmr" typeface="DaunPenh"/>
-        <a:font script="Knda" typeface="Tunga"/>
-        <a:font script="Guru" typeface="Raavi"/>
-        <a:font script="Cans" typeface="Euphemia"/>
-        <a:font script="Cher" typeface="Plantagenet Cherokee"/>
-        <a:font script="Yiii" typeface="Microsoft Yi Baiti"/>
-        <a:font script="Tibt" typeface="Microsoft Himalaya"/>
-        <a:font script="Thaa" typeface="MV Boli"/>
-        <a:font script="Deva" typeface="Mangal"/>
-        <a:font script="Telu" typeface="Gautami"/>
-        <a:font script="Taml" typeface="Latha"/>
-        <a:font script="Syrc" typeface="Estrangelo Edessa"/>
-        <a:font script="Orya" typeface="Kalinga"/>
-        <a:font script="Mlym" typeface="Kartika"/>
-        <a:font script="Laoo" typeface="DokChampa"/>
-        <a:font script="Sinh" typeface="Iskoola Pota"/>
-        <a:font script="Mong" typeface="Mongolian Baiti"/>
-        <a:font script="Viet" typeface="Arial"/>
-        <a:font script="Uigh" typeface="Microsoft Uighur"/>
-        <a:font script="Geor" typeface="Sylfaen"/>
-      </a:minorFont>
-    </a:fontScheme>
-    <a:fmtScheme name="Office">
-      <a:fillStyleLst>
-        <a:solidFill>
-          <a:schemeClr val="phClr"/>
-        </a:solidFill>
-        <a:gradFill rotWithShape="1">
-          <a:gsLst>
-            <a:gs pos="0">
-              <a:schemeClr val="phClr">
-                <a:tint val="50000"/>
-                <a:satMod val="300000"/>
-              </a:schemeClr>
-            </a:gs>
-            <a:gs pos="35000">
-              <a:schemeClr val="phClr">
-                <a:tint val="37000"/>
-                <a:satMod val="300000"/>
-              </a:schemeClr>
-            </a:gs>
-            <a:gs pos="100000">
-              <a:schemeClr val="phClr">
-                <a:tint val="15000"/>
-                <a:satMod val="350000"/>
-              </a:schemeClr>
-            </a:gs>
-          </a:gsLst>
-          <a:lin ang="16200000" scaled="1"/>
-        </a:gradFill>
-        <a:gradFill rotWithShape="1">
-          <a:gsLst>
-            <a:gs pos="0">
-              <a:schemeClr val="phClr">
-                <a:tint val="100000"/>
-                <a:shade val="100000"/>
-                <a:satMod val="130000"/>
-              </a:schemeClr>
-            </a:gs>
-            <a:gs pos="100000">
-              <a:schemeClr val="phClr">
-                <a:tint val="50000"/>
-                <a:shade val="100000"/>
-                <a:satMod val="350000"/>
-              </a:schemeClr>
-            </a:gs>
-          </a:gsLst>
-          <a:lin ang="16200000" scaled="0"/>
-        </a:gradFill>
-      </a:fillStyleLst>
-      <a:lnStyleLst>
-        <a:ln w="9525" cap="flat" cmpd="sng" algn="ctr">
-          <a:solidFill>
-            <a:schemeClr val="phClr">
-              <a:shade val="95000"/>
-              <a:satMod val="105000"/>
-            </a:schemeClr>
-          </a:solidFill>
-          <a:prstDash val="solid"/>
-        </a:ln>
-        <a:ln w="25400" cap="flat" cmpd="sng" algn="ctr">
-          <a:solidFill>
-            <a:schemeClr val="phClr"/>
-          </a:solidFill>
-          <a:prstDash val="solid"/>
-        </a:ln>
-        <a:ln w="38100" cap="flat" cmpd="sng" algn="ctr">
-          <a:solidFill>
-            <a:schemeClr val="phClr"/>
-          </a:solidFill>
-          <a:prstDash val="solid"/>
-        </a:ln>
-      </a:lnStyleLst>
-      <a:effectStyleLst>
-        <a:effectStyle>
-          <a:effectLst>
-            <a:outerShdw blurRad="40000" dist="20000" dir="5400000" rotWithShape="0">
-              <a:srgbClr val="000000">
-                <a:alpha val="38000"/>
-              </a:srgbClr>
-            </a:outerShdw>
-          </a:effectLst>
-        </a:effectStyle>
-        <a:effectStyle>
-          <a:effectLst>
-            <a:outerShdw blurRad="40000" dist="23000" dir="5400000" rotWithShape="0">
-              <a:srgbClr val="000000">
-                <a:alpha val="35000"/>
-              </a:srgbClr>
-            </a:outerShdw>
-          </a:effectLst>
-        </a:effectStyle>
-        <a:effectStyle>
-          <a:effectLst>
-            <a:outerShdw blurRad="40000" dist="23000" dir="5400000" rotWithShape="0">
-              <a:srgbClr val="000000">
-                <a:alpha val="35000"/>
-              </a:srgbClr>
-            </a:outerShdw>
-          </a:effectLst>
-          <a:scene3d>
-            <a:camera prst="orthographicFront">
-              <a:rot lat="0" lon="0" rev="0"/>
-            </a:camera>
-            <a:lightRig rig="threePt" dir="t">
-              <a:rot lat="0" lon="0" rev="1200000"/>
-            </a:lightRig>
-          </a:scene3d>
-          <a:sp3d>
-            <a:bevelT w="63500" h="25400"/>
-          </a:sp3d>
-        </a:effectStyle>
-      </a:effectStyleLst>
-      <a:bgFillStyleLst>
-        <a:solidFill>
-          <a:schemeClr val="phClr"/>
-        </a:solidFill>
-        <a:gradFill rotWithShape="1">
-          <a:gsLst>
-            <a:gs pos="0">
-              <a:schemeClr val="phClr">
-                <a:tint val="40000"/>
-                <a:satMod val="350000"/>
-              </a:schemeClr>
-            </a:gs>
-            <a:gs pos="40000">
-              <a:schemeClr val="phClr">
-                <a:tint val="45000"/>
-                <a:shade val="99000"/>
-                <a:satMod val="350000"/>
-              </a:schemeClr>
-            </a:gs>
-            <a:gs pos="100000">
-              <a:schemeClr val="phClr">
-                <a:shade val="20000"/>
-                <a:satMod val="255000"/>
-              </a:schemeClr>
-            </a:gs>
-          </a:gsLst>
-          <a:path path="circle">
-            <a:fillToRect l="50000" t="-80000" r="50000" b="180000"/>
-          </a:path>
-        </a:gradFill>
-        <a:gradFill rotWithShape="1">
-          <a:gsLst>
-            <a:gs pos="0">
-              <a:schemeClr val="phClr">
-                <a:tint val="80000"/>
-                <a:satMod val="300000"/>
-              </a:schemeClr>
-            </a:gs>
-            <a:gs pos="100000">
-              <a:schemeClr val="phClr">
-                <a:shade val="30000"/>
-                <a:satMod val="200000"/>
-              </a:schemeClr>
-            </a:gs>
-          </a:gsLst>
-          <a:path path="circle">
-            <a:fillToRect l="50000" t="50000" r="50000" b="50000"/>
-          </a:path>
-        </a:gradFill>
-      </a:bgFillStyleLst>
-    </a:fmtScheme>
-  </a:themeElements>
-</a:theme>
 </file>